--- a/설명/Express01.pptx
+++ b/설명/Express01.pptx
@@ -6,6 +6,7 @@
   </p:sldMasterIdLst>
   <p:sldIdLst>
     <p:sldId id="256" r:id="rId2"/>
+    <p:sldId id="257" r:id="rId3"/>
   </p:sldIdLst>
   <p:sldSz cx="12192000" cy="6858000"/>
   <p:notesSz cx="6858000" cy="9144000"/>
@@ -3754,6 +3755,1133 @@
 </p:sld>
 </file>
 
+<file path=ppt/slides/slide2.xml><?xml version="1.0" encoding="utf-8"?>
+<p:sld xmlns:a="http://schemas.openxmlformats.org/drawingml/2006/main" xmlns:r="http://schemas.openxmlformats.org/officeDocument/2006/relationships" xmlns:p="http://schemas.openxmlformats.org/presentationml/2006/main">
+  <p:cSld>
+    <p:spTree>
+      <p:nvGrpSpPr>
+        <p:cNvPr id="1" name=""/>
+        <p:cNvGrpSpPr/>
+        <p:nvPr/>
+      </p:nvGrpSpPr>
+      <p:grpSpPr>
+        <a:xfrm>
+          <a:off x="0" y="0"/>
+          <a:ext cx="0" cy="0"/>
+          <a:chOff x="0" y="0"/>
+          <a:chExt cx="0" cy="0"/>
+        </a:xfrm>
+      </p:grpSpPr>
+      <p:grpSp>
+        <p:nvGrpSpPr>
+          <p:cNvPr id="10" name="그룹 9"/>
+          <p:cNvGrpSpPr/>
+          <p:nvPr/>
+        </p:nvGrpSpPr>
+        <p:grpSpPr>
+          <a:xfrm>
+            <a:off x="4896197" y="224443"/>
+            <a:ext cx="6841374" cy="6276109"/>
+            <a:chOff x="4896197" y="224443"/>
+            <a:chExt cx="6841374" cy="6276109"/>
+          </a:xfrm>
+        </p:grpSpPr>
+        <p:sp>
+          <p:nvSpPr>
+            <p:cNvPr id="4" name="직사각형 3"/>
+            <p:cNvSpPr/>
+            <p:nvPr/>
+          </p:nvSpPr>
+          <p:spPr>
+            <a:xfrm>
+              <a:off x="6467302" y="224443"/>
+              <a:ext cx="5270269" cy="6276109"/>
+            </a:xfrm>
+            <a:prstGeom prst="rect">
+              <a:avLst/>
+            </a:prstGeom>
+            <a:noFill/>
+          </p:spPr>
+          <p:style>
+            <a:lnRef idx="2">
+              <a:schemeClr val="accent1">
+                <a:shade val="50000"/>
+              </a:schemeClr>
+            </a:lnRef>
+            <a:fillRef idx="1">
+              <a:schemeClr val="accent1"/>
+            </a:fillRef>
+            <a:effectRef idx="0">
+              <a:schemeClr val="accent1"/>
+            </a:effectRef>
+            <a:fontRef idx="minor">
+              <a:schemeClr val="lt1"/>
+            </a:fontRef>
+          </p:style>
+          <p:txBody>
+            <a:bodyPr rtlCol="0" anchor="ctr"/>
+            <a:lstStyle/>
+            <a:p>
+              <a:pPr algn="ctr"/>
+              <a:endParaRPr lang="ko-KR" altLang="en-US"/>
+            </a:p>
+          </p:txBody>
+        </p:sp>
+        <p:sp>
+          <p:nvSpPr>
+            <p:cNvPr id="5" name="직사각형 4"/>
+            <p:cNvSpPr/>
+            <p:nvPr/>
+          </p:nvSpPr>
+          <p:spPr>
+            <a:xfrm>
+              <a:off x="4896197" y="847898"/>
+              <a:ext cx="1571105" cy="448887"/>
+            </a:xfrm>
+            <a:prstGeom prst="rect">
+              <a:avLst/>
+            </a:prstGeom>
+          </p:spPr>
+          <p:style>
+            <a:lnRef idx="2">
+              <a:schemeClr val="accent1">
+                <a:shade val="50000"/>
+              </a:schemeClr>
+            </a:lnRef>
+            <a:fillRef idx="1">
+              <a:schemeClr val="accent1"/>
+            </a:fillRef>
+            <a:effectRef idx="0">
+              <a:schemeClr val="accent1"/>
+            </a:effectRef>
+            <a:fontRef idx="minor">
+              <a:schemeClr val="lt1"/>
+            </a:fontRef>
+          </p:style>
+          <p:txBody>
+            <a:bodyPr rtlCol="0" anchor="ctr"/>
+            <a:lstStyle/>
+            <a:p>
+              <a:pPr algn="ctr"/>
+              <a:r>
+                <a:rPr lang="en-US" altLang="ko-KR" smtClean="0"/>
+                <a:t>port: 3000</a:t>
+              </a:r>
+              <a:endParaRPr lang="ko-KR" altLang="en-US"/>
+            </a:p>
+          </p:txBody>
+        </p:sp>
+      </p:grpSp>
+      <p:cxnSp>
+        <p:nvCxnSpPr>
+          <p:cNvPr id="7" name="직선 화살표 연결선 6"/>
+          <p:cNvCxnSpPr/>
+          <p:nvPr/>
+        </p:nvCxnSpPr>
+        <p:spPr>
+          <a:xfrm>
+            <a:off x="3366654" y="1080655"/>
+            <a:ext cx="1379913" cy="0"/>
+          </a:xfrm>
+          <a:prstGeom prst="straightConnector1">
+            <a:avLst/>
+          </a:prstGeom>
+          <a:ln>
+            <a:tailEnd type="triangle"/>
+          </a:ln>
+        </p:spPr>
+        <p:style>
+          <a:lnRef idx="1">
+            <a:schemeClr val="accent1"/>
+          </a:lnRef>
+          <a:fillRef idx="0">
+            <a:schemeClr val="accent1"/>
+          </a:fillRef>
+          <a:effectRef idx="0">
+            <a:schemeClr val="accent1"/>
+          </a:effectRef>
+          <a:fontRef idx="minor">
+            <a:schemeClr val="tx1"/>
+          </a:fontRef>
+        </p:style>
+      </p:cxnSp>
+      <p:sp>
+        <p:nvSpPr>
+          <p:cNvPr id="9" name="TextBox 8"/>
+          <p:cNvSpPr txBox="1"/>
+          <p:nvPr/>
+        </p:nvSpPr>
+        <p:spPr>
+          <a:xfrm>
+            <a:off x="1313411" y="847898"/>
+            <a:ext cx="1936865" cy="646331"/>
+          </a:xfrm>
+          <a:prstGeom prst="rect">
+            <a:avLst/>
+          </a:prstGeom>
+          <a:noFill/>
+        </p:spPr>
+        <p:txBody>
+          <a:bodyPr wrap="square" rtlCol="0">
+            <a:spAutoFit/>
+          </a:bodyPr>
+          <a:lstStyle/>
+          <a:p>
+            <a:pPr algn="ctr"/>
+            <a:r>
+              <a:rPr lang="ko-KR" altLang="en-US" smtClean="0"/>
+              <a:t>클라이언트 요청</a:t>
+            </a:r>
+            <a:endParaRPr lang="en-US" altLang="ko-KR" smtClean="0"/>
+          </a:p>
+          <a:p>
+            <a:pPr algn="ctr"/>
+            <a:r>
+              <a:rPr lang="en-US" altLang="ko-KR" smtClean="0"/>
+              <a:t>GET/POST</a:t>
+            </a:r>
+            <a:endParaRPr lang="ko-KR" altLang="en-US"/>
+          </a:p>
+        </p:txBody>
+      </p:sp>
+      <p:sp>
+        <p:nvSpPr>
+          <p:cNvPr id="11" name="직사각형 10"/>
+          <p:cNvSpPr/>
+          <p:nvPr/>
+        </p:nvSpPr>
+        <p:spPr>
+          <a:xfrm>
+            <a:off x="7198822" y="847898"/>
+            <a:ext cx="3715789" cy="5261957"/>
+          </a:xfrm>
+          <a:prstGeom prst="rect">
+            <a:avLst/>
+          </a:prstGeom>
+          <a:noFill/>
+          <a:ln>
+            <a:solidFill>
+              <a:srgbClr val="FF0000"/>
+            </a:solidFill>
+          </a:ln>
+        </p:spPr>
+        <p:style>
+          <a:lnRef idx="2">
+            <a:schemeClr val="accent1">
+              <a:shade val="50000"/>
+            </a:schemeClr>
+          </a:lnRef>
+          <a:fillRef idx="1">
+            <a:schemeClr val="accent1"/>
+          </a:fillRef>
+          <a:effectRef idx="0">
+            <a:schemeClr val="accent1"/>
+          </a:effectRef>
+          <a:fontRef idx="minor">
+            <a:schemeClr val="lt1"/>
+          </a:fontRef>
+        </p:style>
+        <p:txBody>
+          <a:bodyPr rtlCol="0" anchor="ctr"/>
+          <a:lstStyle/>
+          <a:p>
+            <a:pPr algn="ctr"/>
+            <a:endParaRPr lang="ko-KR" altLang="en-US"/>
+          </a:p>
+        </p:txBody>
+      </p:sp>
+      <p:cxnSp>
+        <p:nvCxnSpPr>
+          <p:cNvPr id="13" name="직선 화살표 연결선 12"/>
+          <p:cNvCxnSpPr/>
+          <p:nvPr/>
+        </p:nvCxnSpPr>
+        <p:spPr>
+          <a:xfrm>
+            <a:off x="6550429" y="1022465"/>
+            <a:ext cx="556953" cy="0"/>
+          </a:xfrm>
+          <a:prstGeom prst="straightConnector1">
+            <a:avLst/>
+          </a:prstGeom>
+          <a:ln>
+            <a:tailEnd type="triangle"/>
+          </a:ln>
+        </p:spPr>
+        <p:style>
+          <a:lnRef idx="1">
+            <a:schemeClr val="accent1"/>
+          </a:lnRef>
+          <a:fillRef idx="0">
+            <a:schemeClr val="accent1"/>
+          </a:fillRef>
+          <a:effectRef idx="0">
+            <a:schemeClr val="accent1"/>
+          </a:effectRef>
+          <a:fontRef idx="minor">
+            <a:schemeClr val="tx1"/>
+          </a:fontRef>
+        </p:style>
+      </p:cxnSp>
+      <p:sp>
+        <p:nvSpPr>
+          <p:cNvPr id="14" name="TextBox 13"/>
+          <p:cNvSpPr txBox="1"/>
+          <p:nvPr/>
+        </p:nvSpPr>
+        <p:spPr>
+          <a:xfrm>
+            <a:off x="7434855" y="3199456"/>
+            <a:ext cx="2588337" cy="208114"/>
+          </a:xfrm>
+          <a:prstGeom prst="rect">
+            <a:avLst/>
+          </a:prstGeom>
+          <a:noFill/>
+        </p:spPr>
+        <p:txBody>
+          <a:bodyPr wrap="none" rtlCol="0">
+            <a:spAutoFit/>
+          </a:bodyPr>
+          <a:lstStyle/>
+          <a:p>
+            <a:r>
+              <a:rPr lang="en-US" altLang="ko-KR" sz="1200" smtClean="0"/>
+              <a:t>app.use(‘/’, express.static(‘./public))</a:t>
+            </a:r>
+            <a:endParaRPr lang="ko-KR" altLang="en-US" sz="1200"/>
+          </a:p>
+        </p:txBody>
+      </p:sp>
+      <p:sp>
+        <p:nvSpPr>
+          <p:cNvPr id="15" name="TextBox 14"/>
+          <p:cNvSpPr txBox="1"/>
+          <p:nvPr/>
+        </p:nvSpPr>
+        <p:spPr>
+          <a:xfrm>
+            <a:off x="7434855" y="3832655"/>
+            <a:ext cx="2725939" cy="276999"/>
+          </a:xfrm>
+          <a:prstGeom prst="rect">
+            <a:avLst/>
+          </a:prstGeom>
+          <a:noFill/>
+        </p:spPr>
+        <p:txBody>
+          <a:bodyPr wrap="none" rtlCol="0">
+            <a:spAutoFit/>
+          </a:bodyPr>
+          <a:lstStyle/>
+          <a:p>
+            <a:r>
+              <a:rPr lang="en-US" altLang="ko-KR" sz="1200" smtClean="0"/>
+              <a:t>app.use</a:t>
+            </a:r>
+            <a:r>
+              <a:rPr lang="en-US" altLang="ko-KR" sz="1200" smtClean="0"/>
+              <a:t>(‘/test’, </a:t>
+            </a:r>
+            <a:r>
+              <a:rPr lang="en-US" altLang="ko-KR" sz="1200" smtClean="0"/>
+              <a:t>(req, res, next) =&gt; {});</a:t>
+            </a:r>
+            <a:endParaRPr lang="ko-KR" altLang="en-US" sz="1200"/>
+          </a:p>
+        </p:txBody>
+      </p:sp>
+      <p:sp>
+        <p:nvSpPr>
+          <p:cNvPr id="16" name="TextBox 15"/>
+          <p:cNvSpPr txBox="1"/>
+          <p:nvPr/>
+        </p:nvSpPr>
+        <p:spPr>
+          <a:xfrm>
+            <a:off x="7434855" y="4464821"/>
+            <a:ext cx="2870338" cy="208114"/>
+          </a:xfrm>
+          <a:prstGeom prst="rect">
+            <a:avLst/>
+          </a:prstGeom>
+          <a:noFill/>
+        </p:spPr>
+        <p:txBody>
+          <a:bodyPr wrap="none" rtlCol="0">
+            <a:spAutoFit/>
+          </a:bodyPr>
+          <a:lstStyle/>
+          <a:p>
+            <a:r>
+              <a:rPr lang="en-US" altLang="ko-KR" sz="1200" smtClean="0"/>
+              <a:t>app.get(‘/board’, (req, res, next) =&gt; {});</a:t>
+            </a:r>
+            <a:endParaRPr lang="ko-KR" altLang="en-US" sz="1200"/>
+          </a:p>
+        </p:txBody>
+      </p:sp>
+      <p:sp>
+        <p:nvSpPr>
+          <p:cNvPr id="17" name="TextBox 16"/>
+          <p:cNvSpPr txBox="1"/>
+          <p:nvPr/>
+        </p:nvSpPr>
+        <p:spPr>
+          <a:xfrm>
+            <a:off x="7434855" y="5115203"/>
+            <a:ext cx="3313408" cy="208114"/>
+          </a:xfrm>
+          <a:prstGeom prst="rect">
+            <a:avLst/>
+          </a:prstGeom>
+          <a:noFill/>
+        </p:spPr>
+        <p:txBody>
+          <a:bodyPr wrap="none" rtlCol="0">
+            <a:spAutoFit/>
+          </a:bodyPr>
+          <a:lstStyle/>
+          <a:p>
+            <a:r>
+              <a:rPr lang="en-US" altLang="ko-KR" sz="1200" smtClean="0"/>
+              <a:t>app.post(‘/board/save’, (req, res, next) =&gt; {});</a:t>
+            </a:r>
+            <a:endParaRPr lang="ko-KR" altLang="en-US" sz="1200"/>
+          </a:p>
+        </p:txBody>
+      </p:sp>
+      <p:cxnSp>
+        <p:nvCxnSpPr>
+          <p:cNvPr id="19" name="직선 화살표 연결선 18"/>
+          <p:cNvCxnSpPr/>
+          <p:nvPr/>
+        </p:nvCxnSpPr>
+        <p:spPr>
+          <a:xfrm>
+            <a:off x="8146471" y="1022465"/>
+            <a:ext cx="2" cy="297327"/>
+          </a:xfrm>
+          <a:prstGeom prst="straightConnector1">
+            <a:avLst/>
+          </a:prstGeom>
+          <a:ln>
+            <a:tailEnd type="triangle"/>
+          </a:ln>
+        </p:spPr>
+        <p:style>
+          <a:lnRef idx="1">
+            <a:schemeClr val="accent1"/>
+          </a:lnRef>
+          <a:fillRef idx="0">
+            <a:schemeClr val="accent1"/>
+          </a:fillRef>
+          <a:effectRef idx="0">
+            <a:schemeClr val="accent1"/>
+          </a:effectRef>
+          <a:fontRef idx="minor">
+            <a:schemeClr val="tx1"/>
+          </a:fontRef>
+        </p:style>
+      </p:cxnSp>
+      <p:cxnSp>
+        <p:nvCxnSpPr>
+          <p:cNvPr id="21" name="직선 화살표 연결선 20"/>
+          <p:cNvCxnSpPr/>
+          <p:nvPr/>
+        </p:nvCxnSpPr>
+        <p:spPr>
+          <a:xfrm>
+            <a:off x="8110603" y="3552488"/>
+            <a:ext cx="2" cy="228507"/>
+          </a:xfrm>
+          <a:prstGeom prst="straightConnector1">
+            <a:avLst/>
+          </a:prstGeom>
+          <a:ln>
+            <a:tailEnd type="triangle"/>
+          </a:ln>
+        </p:spPr>
+        <p:style>
+          <a:lnRef idx="1">
+            <a:schemeClr val="accent1"/>
+          </a:lnRef>
+          <a:fillRef idx="0">
+            <a:schemeClr val="accent1"/>
+          </a:fillRef>
+          <a:effectRef idx="0">
+            <a:schemeClr val="accent1"/>
+          </a:effectRef>
+          <a:fontRef idx="minor">
+            <a:schemeClr val="tx1"/>
+          </a:fontRef>
+        </p:style>
+      </p:cxnSp>
+      <p:cxnSp>
+        <p:nvCxnSpPr>
+          <p:cNvPr id="23" name="직선 화살표 연결선 22"/>
+          <p:cNvCxnSpPr/>
+          <p:nvPr/>
+        </p:nvCxnSpPr>
+        <p:spPr>
+          <a:xfrm>
+            <a:off x="8146471" y="4146518"/>
+            <a:ext cx="1" cy="250776"/>
+          </a:xfrm>
+          <a:prstGeom prst="straightConnector1">
+            <a:avLst/>
+          </a:prstGeom>
+          <a:ln>
+            <a:tailEnd type="triangle"/>
+          </a:ln>
+        </p:spPr>
+        <p:style>
+          <a:lnRef idx="1">
+            <a:schemeClr val="accent1"/>
+          </a:lnRef>
+          <a:fillRef idx="0">
+            <a:schemeClr val="accent1"/>
+          </a:fillRef>
+          <a:effectRef idx="0">
+            <a:schemeClr val="accent1"/>
+          </a:effectRef>
+          <a:fontRef idx="minor">
+            <a:schemeClr val="tx1"/>
+          </a:fontRef>
+        </p:style>
+      </p:cxnSp>
+      <p:cxnSp>
+        <p:nvCxnSpPr>
+          <p:cNvPr id="25" name="직선 화살표 연결선 24"/>
+          <p:cNvCxnSpPr/>
+          <p:nvPr/>
+        </p:nvCxnSpPr>
+        <p:spPr>
+          <a:xfrm>
+            <a:off x="8146472" y="4799961"/>
+            <a:ext cx="1" cy="258423"/>
+          </a:xfrm>
+          <a:prstGeom prst="straightConnector1">
+            <a:avLst/>
+          </a:prstGeom>
+          <a:ln>
+            <a:tailEnd type="triangle"/>
+          </a:ln>
+        </p:spPr>
+        <p:style>
+          <a:lnRef idx="1">
+            <a:schemeClr val="accent1"/>
+          </a:lnRef>
+          <a:fillRef idx="0">
+            <a:schemeClr val="accent1"/>
+          </a:fillRef>
+          <a:effectRef idx="0">
+            <a:schemeClr val="accent1"/>
+          </a:effectRef>
+          <a:fontRef idx="minor">
+            <a:schemeClr val="tx1"/>
+          </a:fontRef>
+        </p:style>
+      </p:cxnSp>
+      <p:cxnSp>
+        <p:nvCxnSpPr>
+          <p:cNvPr id="27" name="직선 화살표 연결선 26"/>
+          <p:cNvCxnSpPr/>
+          <p:nvPr/>
+        </p:nvCxnSpPr>
+        <p:spPr>
+          <a:xfrm>
+            <a:off x="8146473" y="5476784"/>
+            <a:ext cx="0" cy="262317"/>
+          </a:xfrm>
+          <a:prstGeom prst="straightConnector1">
+            <a:avLst/>
+          </a:prstGeom>
+          <a:ln>
+            <a:tailEnd type="triangle"/>
+          </a:ln>
+        </p:spPr>
+        <p:style>
+          <a:lnRef idx="1">
+            <a:schemeClr val="accent1"/>
+          </a:lnRef>
+          <a:fillRef idx="0">
+            <a:schemeClr val="accent1"/>
+          </a:fillRef>
+          <a:effectRef idx="0">
+            <a:schemeClr val="accent1"/>
+          </a:effectRef>
+          <a:fontRef idx="minor">
+            <a:schemeClr val="tx1"/>
+          </a:fontRef>
+        </p:style>
+      </p:cxnSp>
+      <p:sp>
+        <p:nvSpPr>
+          <p:cNvPr id="28" name="TextBox 27"/>
+          <p:cNvSpPr txBox="1"/>
+          <p:nvPr/>
+        </p:nvSpPr>
+        <p:spPr>
+          <a:xfrm>
+            <a:off x="7802500" y="5739101"/>
+            <a:ext cx="687945" cy="277485"/>
+          </a:xfrm>
+          <a:prstGeom prst="rect">
+            <a:avLst/>
+          </a:prstGeom>
+          <a:noFill/>
+        </p:spPr>
+        <p:txBody>
+          <a:bodyPr wrap="none" rtlCol="0">
+            <a:spAutoFit/>
+          </a:bodyPr>
+          <a:lstStyle/>
+          <a:p>
+            <a:r>
+              <a:rPr lang="en-US" altLang="ko-KR" smtClean="0"/>
+              <a:t>error</a:t>
+            </a:r>
+            <a:endParaRPr lang="ko-KR" altLang="en-US"/>
+          </a:p>
+        </p:txBody>
+      </p:sp>
+      <p:cxnSp>
+        <p:nvCxnSpPr>
+          <p:cNvPr id="30" name="직선 화살표 연결선 29"/>
+          <p:cNvCxnSpPr/>
+          <p:nvPr/>
+        </p:nvCxnSpPr>
+        <p:spPr>
+          <a:xfrm flipH="1">
+            <a:off x="3366654" y="5296394"/>
+            <a:ext cx="3973484" cy="0"/>
+          </a:xfrm>
+          <a:prstGeom prst="straightConnector1">
+            <a:avLst/>
+          </a:prstGeom>
+          <a:ln>
+            <a:tailEnd type="triangle"/>
+          </a:ln>
+        </p:spPr>
+        <p:style>
+          <a:lnRef idx="1">
+            <a:schemeClr val="accent1"/>
+          </a:lnRef>
+          <a:fillRef idx="0">
+            <a:schemeClr val="accent1"/>
+          </a:fillRef>
+          <a:effectRef idx="0">
+            <a:schemeClr val="accent1"/>
+          </a:effectRef>
+          <a:fontRef idx="minor">
+            <a:schemeClr val="tx1"/>
+          </a:fontRef>
+        </p:style>
+      </p:cxnSp>
+      <p:cxnSp>
+        <p:nvCxnSpPr>
+          <p:cNvPr id="31" name="직선 화살표 연결선 30"/>
+          <p:cNvCxnSpPr/>
+          <p:nvPr/>
+        </p:nvCxnSpPr>
+        <p:spPr>
+          <a:xfrm flipH="1">
+            <a:off x="3366654" y="3382231"/>
+            <a:ext cx="3973484" cy="0"/>
+          </a:xfrm>
+          <a:prstGeom prst="straightConnector1">
+            <a:avLst/>
+          </a:prstGeom>
+          <a:ln>
+            <a:tailEnd type="triangle"/>
+          </a:ln>
+        </p:spPr>
+        <p:style>
+          <a:lnRef idx="1">
+            <a:schemeClr val="accent1"/>
+          </a:lnRef>
+          <a:fillRef idx="0">
+            <a:schemeClr val="accent1"/>
+          </a:fillRef>
+          <a:effectRef idx="0">
+            <a:schemeClr val="accent1"/>
+          </a:effectRef>
+          <a:fontRef idx="minor">
+            <a:schemeClr val="tx1"/>
+          </a:fontRef>
+        </p:style>
+      </p:cxnSp>
+      <p:cxnSp>
+        <p:nvCxnSpPr>
+          <p:cNvPr id="32" name="직선 화살표 연결선 31"/>
+          <p:cNvCxnSpPr/>
+          <p:nvPr/>
+        </p:nvCxnSpPr>
+        <p:spPr>
+          <a:xfrm flipH="1">
+            <a:off x="3431947" y="4040769"/>
+            <a:ext cx="3973484" cy="0"/>
+          </a:xfrm>
+          <a:prstGeom prst="straightConnector1">
+            <a:avLst/>
+          </a:prstGeom>
+          <a:ln>
+            <a:tailEnd type="triangle"/>
+          </a:ln>
+        </p:spPr>
+        <p:style>
+          <a:lnRef idx="1">
+            <a:schemeClr val="accent1"/>
+          </a:lnRef>
+          <a:fillRef idx="0">
+            <a:schemeClr val="accent1"/>
+          </a:fillRef>
+          <a:effectRef idx="0">
+            <a:schemeClr val="accent1"/>
+          </a:effectRef>
+          <a:fontRef idx="minor">
+            <a:schemeClr val="tx1"/>
+          </a:fontRef>
+        </p:style>
+      </p:cxnSp>
+      <p:cxnSp>
+        <p:nvCxnSpPr>
+          <p:cNvPr id="33" name="직선 화살표 연결선 32"/>
+          <p:cNvCxnSpPr/>
+          <p:nvPr/>
+        </p:nvCxnSpPr>
+        <p:spPr>
+          <a:xfrm flipH="1">
+            <a:off x="3431947" y="4637097"/>
+            <a:ext cx="3973484" cy="0"/>
+          </a:xfrm>
+          <a:prstGeom prst="straightConnector1">
+            <a:avLst/>
+          </a:prstGeom>
+          <a:ln>
+            <a:tailEnd type="triangle"/>
+          </a:ln>
+        </p:spPr>
+        <p:style>
+          <a:lnRef idx="1">
+            <a:schemeClr val="accent1"/>
+          </a:lnRef>
+          <a:fillRef idx="0">
+            <a:schemeClr val="accent1"/>
+          </a:fillRef>
+          <a:effectRef idx="0">
+            <a:schemeClr val="accent1"/>
+          </a:effectRef>
+          <a:fontRef idx="minor">
+            <a:schemeClr val="tx1"/>
+          </a:fontRef>
+        </p:style>
+      </p:cxnSp>
+      <p:cxnSp>
+        <p:nvCxnSpPr>
+          <p:cNvPr id="34" name="직선 화살표 연결선 33"/>
+          <p:cNvCxnSpPr/>
+          <p:nvPr/>
+        </p:nvCxnSpPr>
+        <p:spPr>
+          <a:xfrm flipH="1">
+            <a:off x="3474720" y="5902858"/>
+            <a:ext cx="3973484" cy="0"/>
+          </a:xfrm>
+          <a:prstGeom prst="straightConnector1">
+            <a:avLst/>
+          </a:prstGeom>
+          <a:ln>
+            <a:tailEnd type="triangle"/>
+          </a:ln>
+        </p:spPr>
+        <p:style>
+          <a:lnRef idx="1">
+            <a:schemeClr val="accent1"/>
+          </a:lnRef>
+          <a:fillRef idx="0">
+            <a:schemeClr val="accent1"/>
+          </a:fillRef>
+          <a:effectRef idx="0">
+            <a:schemeClr val="accent1"/>
+          </a:effectRef>
+          <a:fontRef idx="minor">
+            <a:schemeClr val="tx1"/>
+          </a:fontRef>
+        </p:style>
+      </p:cxnSp>
+      <p:sp>
+        <p:nvSpPr>
+          <p:cNvPr id="35" name="TextBox 34"/>
+          <p:cNvSpPr txBox="1"/>
+          <p:nvPr/>
+        </p:nvSpPr>
+        <p:spPr>
+          <a:xfrm>
+            <a:off x="315884" y="224443"/>
+            <a:ext cx="1662571" cy="369332"/>
+          </a:xfrm>
+          <a:prstGeom prst="rect">
+            <a:avLst/>
+          </a:prstGeom>
+          <a:noFill/>
+        </p:spPr>
+        <p:txBody>
+          <a:bodyPr wrap="none" rtlCol="0">
+            <a:spAutoFit/>
+          </a:bodyPr>
+          <a:lstStyle/>
+          <a:p>
+            <a:r>
+              <a:rPr lang="en-US" altLang="ko-KR" smtClean="0"/>
+              <a:t>2. Middleware</a:t>
+            </a:r>
+            <a:endParaRPr lang="ko-KR" altLang="en-US"/>
+          </a:p>
+        </p:txBody>
+      </p:sp>
+      <p:sp>
+        <p:nvSpPr>
+          <p:cNvPr id="36" name="TextBox 35"/>
+          <p:cNvSpPr txBox="1"/>
+          <p:nvPr/>
+        </p:nvSpPr>
+        <p:spPr>
+          <a:xfrm>
+            <a:off x="7434854" y="1411202"/>
+            <a:ext cx="2134367" cy="646331"/>
+          </a:xfrm>
+          <a:prstGeom prst="rect">
+            <a:avLst/>
+          </a:prstGeom>
+          <a:noFill/>
+        </p:spPr>
+        <p:txBody>
+          <a:bodyPr wrap="none" rtlCol="0">
+            <a:spAutoFit/>
+          </a:bodyPr>
+          <a:lstStyle/>
+          <a:p>
+            <a:r>
+              <a:rPr lang="en-US" altLang="ko-KR" sz="1200" smtClean="0"/>
+              <a:t>app.use</a:t>
+            </a:r>
+            <a:r>
+              <a:rPr lang="en-US" altLang="ko-KR" sz="1200" smtClean="0"/>
+              <a:t>((req, res, next) =&gt; {</a:t>
+            </a:r>
+          </a:p>
+          <a:p>
+            <a:r>
+              <a:rPr lang="en-US" altLang="ko-KR" sz="1200" smtClean="0"/>
+              <a:t>  req</a:t>
+            </a:r>
+            <a:r>
+              <a:rPr lang="ko-KR" altLang="en-US" sz="1200" smtClean="0"/>
+              <a:t>와 </a:t>
+            </a:r>
+            <a:r>
+              <a:rPr lang="en-US" altLang="ko-KR" sz="1200" smtClean="0"/>
+              <a:t>res</a:t>
+            </a:r>
+            <a:r>
+              <a:rPr lang="ko-KR" altLang="en-US" sz="1200" smtClean="0"/>
+              <a:t>를 변경</a:t>
+            </a:r>
+            <a:endParaRPr lang="en-US" altLang="ko-KR" sz="1200" smtClean="0"/>
+          </a:p>
+          <a:p>
+            <a:r>
+              <a:rPr lang="en-US" altLang="ko-KR" sz="1200" smtClean="0"/>
+              <a:t>})</a:t>
+            </a:r>
+            <a:endParaRPr lang="ko-KR" altLang="en-US" sz="1200"/>
+          </a:p>
+        </p:txBody>
+      </p:sp>
+      <p:cxnSp>
+        <p:nvCxnSpPr>
+          <p:cNvPr id="37" name="직선 화살표 연결선 36"/>
+          <p:cNvCxnSpPr/>
+          <p:nvPr/>
+        </p:nvCxnSpPr>
+        <p:spPr>
+          <a:xfrm>
+            <a:off x="8110603" y="2838250"/>
+            <a:ext cx="2" cy="297327"/>
+          </a:xfrm>
+          <a:prstGeom prst="straightConnector1">
+            <a:avLst/>
+          </a:prstGeom>
+          <a:ln>
+            <a:tailEnd type="triangle"/>
+          </a:ln>
+        </p:spPr>
+        <p:style>
+          <a:lnRef idx="1">
+            <a:schemeClr val="accent1"/>
+          </a:lnRef>
+          <a:fillRef idx="0">
+            <a:schemeClr val="accent1"/>
+          </a:fillRef>
+          <a:effectRef idx="0">
+            <a:schemeClr val="accent1"/>
+          </a:effectRef>
+          <a:fontRef idx="minor">
+            <a:schemeClr val="tx1"/>
+          </a:fontRef>
+        </p:style>
+      </p:cxnSp>
+      <p:sp>
+        <p:nvSpPr>
+          <p:cNvPr id="38" name="TextBox 37"/>
+          <p:cNvSpPr txBox="1"/>
+          <p:nvPr/>
+        </p:nvSpPr>
+        <p:spPr>
+          <a:xfrm>
+            <a:off x="7405431" y="2212715"/>
+            <a:ext cx="2134367" cy="646331"/>
+          </a:xfrm>
+          <a:prstGeom prst="rect">
+            <a:avLst/>
+          </a:prstGeom>
+          <a:noFill/>
+        </p:spPr>
+        <p:txBody>
+          <a:bodyPr wrap="none" rtlCol="0">
+            <a:spAutoFit/>
+          </a:bodyPr>
+          <a:lstStyle/>
+          <a:p>
+            <a:r>
+              <a:rPr lang="en-US" altLang="ko-KR" sz="1200" smtClean="0"/>
+              <a:t>app.use</a:t>
+            </a:r>
+            <a:r>
+              <a:rPr lang="en-US" altLang="ko-KR" sz="1200" smtClean="0"/>
+              <a:t>((req, res, next) =&gt; {</a:t>
+            </a:r>
+          </a:p>
+          <a:p>
+            <a:r>
+              <a:rPr lang="en-US" altLang="ko-KR" sz="1200" smtClean="0"/>
+              <a:t>  req</a:t>
+            </a:r>
+            <a:r>
+              <a:rPr lang="ko-KR" altLang="en-US" sz="1200" smtClean="0"/>
+              <a:t>와 </a:t>
+            </a:r>
+            <a:r>
+              <a:rPr lang="en-US" altLang="ko-KR" sz="1200" smtClean="0"/>
+              <a:t>res</a:t>
+            </a:r>
+            <a:r>
+              <a:rPr lang="ko-KR" altLang="en-US" sz="1200" smtClean="0"/>
+              <a:t>를 변경</a:t>
+            </a:r>
+            <a:endParaRPr lang="en-US" altLang="ko-KR" sz="1200" smtClean="0"/>
+          </a:p>
+          <a:p>
+            <a:r>
+              <a:rPr lang="en-US" altLang="ko-KR" sz="1200" smtClean="0"/>
+              <a:t>})</a:t>
+            </a:r>
+            <a:endParaRPr lang="ko-KR" altLang="en-US" sz="1200"/>
+          </a:p>
+        </p:txBody>
+      </p:sp>
+      <p:cxnSp>
+        <p:nvCxnSpPr>
+          <p:cNvPr id="39" name="직선 화살표 연결선 38"/>
+          <p:cNvCxnSpPr/>
+          <p:nvPr/>
+        </p:nvCxnSpPr>
+        <p:spPr>
+          <a:xfrm>
+            <a:off x="8110601" y="1898471"/>
+            <a:ext cx="2" cy="297327"/>
+          </a:xfrm>
+          <a:prstGeom prst="straightConnector1">
+            <a:avLst/>
+          </a:prstGeom>
+          <a:ln>
+            <a:tailEnd type="triangle"/>
+          </a:ln>
+        </p:spPr>
+        <p:style>
+          <a:lnRef idx="1">
+            <a:schemeClr val="accent1"/>
+          </a:lnRef>
+          <a:fillRef idx="0">
+            <a:schemeClr val="accent1"/>
+          </a:fillRef>
+          <a:effectRef idx="0">
+            <a:schemeClr val="accent1"/>
+          </a:effectRef>
+          <a:fontRef idx="minor">
+            <a:schemeClr val="tx1"/>
+          </a:fontRef>
+        </p:style>
+      </p:cxnSp>
+      <p:sp>
+        <p:nvSpPr>
+          <p:cNvPr id="18" name="직사각형 17"/>
+          <p:cNvSpPr/>
+          <p:nvPr/>
+        </p:nvSpPr>
+        <p:spPr>
+          <a:xfrm>
+            <a:off x="7340138" y="1319792"/>
+            <a:ext cx="3408125" cy="1667121"/>
+          </a:xfrm>
+          <a:prstGeom prst="rect">
+            <a:avLst/>
+          </a:prstGeom>
+          <a:noFill/>
+          <a:ln>
+            <a:solidFill>
+              <a:srgbClr val="FFC000"/>
+            </a:solidFill>
+          </a:ln>
+        </p:spPr>
+        <p:style>
+          <a:lnRef idx="2">
+            <a:schemeClr val="accent1">
+              <a:shade val="50000"/>
+            </a:schemeClr>
+          </a:lnRef>
+          <a:fillRef idx="1">
+            <a:schemeClr val="accent1"/>
+          </a:fillRef>
+          <a:effectRef idx="0">
+            <a:schemeClr val="accent1"/>
+          </a:effectRef>
+          <a:fontRef idx="minor">
+            <a:schemeClr val="lt1"/>
+          </a:fontRef>
+        </p:style>
+        <p:txBody>
+          <a:bodyPr rtlCol="0" anchor="ctr"/>
+          <a:lstStyle/>
+          <a:p>
+            <a:pPr algn="ctr"/>
+            <a:endParaRPr lang="ko-KR" altLang="en-US"/>
+          </a:p>
+        </p:txBody>
+      </p:sp>
+      <p:sp>
+        <p:nvSpPr>
+          <p:cNvPr id="20" name="TextBox 19"/>
+          <p:cNvSpPr txBox="1"/>
+          <p:nvPr/>
+        </p:nvSpPr>
+        <p:spPr>
+          <a:xfrm>
+            <a:off x="9441294" y="995418"/>
+            <a:ext cx="1402885" cy="369332"/>
+          </a:xfrm>
+          <a:prstGeom prst="rect">
+            <a:avLst/>
+          </a:prstGeom>
+          <a:noFill/>
+        </p:spPr>
+        <p:txBody>
+          <a:bodyPr wrap="none" rtlCol="0">
+            <a:spAutoFit/>
+          </a:bodyPr>
+          <a:lstStyle/>
+          <a:p>
+            <a:r>
+              <a:rPr lang="en-US" altLang="ko-KR" smtClean="0"/>
+              <a:t>Middleware</a:t>
+            </a:r>
+            <a:endParaRPr lang="ko-KR" altLang="en-US"/>
+          </a:p>
+        </p:txBody>
+      </p:sp>
+      <p:sp>
+        <p:nvSpPr>
+          <p:cNvPr id="22" name="TextBox 21"/>
+          <p:cNvSpPr txBox="1"/>
+          <p:nvPr/>
+        </p:nvSpPr>
+        <p:spPr>
+          <a:xfrm>
+            <a:off x="1451325" y="4452431"/>
+            <a:ext cx="1980622" cy="369332"/>
+          </a:xfrm>
+          <a:prstGeom prst="rect">
+            <a:avLst/>
+          </a:prstGeom>
+          <a:noFill/>
+        </p:spPr>
+        <p:txBody>
+          <a:bodyPr wrap="square" rtlCol="0">
+            <a:spAutoFit/>
+          </a:bodyPr>
+          <a:lstStyle/>
+          <a:p>
+            <a:r>
+              <a:rPr lang="en-US" altLang="ko-KR" smtClean="0"/>
+              <a:t>1</a:t>
+            </a:r>
+            <a:r>
+              <a:rPr lang="ko-KR" altLang="en-US" smtClean="0"/>
+              <a:t>개만 </a:t>
+            </a:r>
+            <a:r>
+              <a:rPr lang="en-US" altLang="ko-KR" smtClean="0"/>
+              <a:t>response</a:t>
+            </a:r>
+            <a:endParaRPr lang="ko-KR" altLang="en-US"/>
+          </a:p>
+        </p:txBody>
+      </p:sp>
+      <p:sp>
+        <p:nvSpPr>
+          <p:cNvPr id="40" name="TextBox 39"/>
+          <p:cNvSpPr txBox="1"/>
+          <p:nvPr/>
+        </p:nvSpPr>
+        <p:spPr>
+          <a:xfrm>
+            <a:off x="3537497" y="1112119"/>
+            <a:ext cx="1038223" cy="369332"/>
+          </a:xfrm>
+          <a:prstGeom prst="rect">
+            <a:avLst/>
+          </a:prstGeom>
+          <a:noFill/>
+        </p:spPr>
+        <p:txBody>
+          <a:bodyPr wrap="square" rtlCol="0">
+            <a:spAutoFit/>
+          </a:bodyPr>
+          <a:lstStyle/>
+          <a:p>
+            <a:r>
+              <a:rPr lang="en-US" altLang="ko-KR" smtClean="0"/>
+              <a:t>request</a:t>
+            </a:r>
+            <a:endParaRPr lang="ko-KR" altLang="en-US"/>
+          </a:p>
+        </p:txBody>
+      </p:sp>
+    </p:spTree>
+    <p:extLst>
+      <p:ext uri="{BB962C8B-B14F-4D97-AF65-F5344CB8AC3E}">
+        <p14:creationId xmlns:p14="http://schemas.microsoft.com/office/powerpoint/2010/main" val="1849296449"/>
+      </p:ext>
+    </p:extLst>
+  </p:cSld>
+  <p:clrMapOvr>
+    <a:masterClrMapping/>
+  </p:clrMapOvr>
+</p:sld>
+</file>
+
 <file path=ppt/theme/theme1.xml><?xml version="1.0" encoding="utf-8"?>
 <a:theme xmlns:a="http://schemas.openxmlformats.org/drawingml/2006/main" name="Office 테마">
   <a:themeElements>

--- a/설명/Express01.pptx
+++ b/설명/Express01.pptx
@@ -7,6 +7,7 @@
   <p:sldIdLst>
     <p:sldId id="256" r:id="rId2"/>
     <p:sldId id="257" r:id="rId3"/>
+    <p:sldId id="258" r:id="rId4"/>
   </p:sldIdLst>
   <p:sldSz cx="12192000" cy="6858000"/>
   <p:notesSz cx="6858000" cy="9144000"/>
@@ -4077,15 +4078,7 @@
           <a:p>
             <a:r>
               <a:rPr lang="en-US" altLang="ko-KR" sz="1200" smtClean="0"/>
-              <a:t>app.use</a:t>
-            </a:r>
-            <a:r>
-              <a:rPr lang="en-US" altLang="ko-KR" sz="1200" smtClean="0"/>
-              <a:t>(‘/test’, </a:t>
-            </a:r>
-            <a:r>
-              <a:rPr lang="en-US" altLang="ko-KR" sz="1200" smtClean="0"/>
-              <a:t>(req, res, next) =&gt; {});</a:t>
+              <a:t>app.use(‘/test’, (req, res, next) =&gt; {});</a:t>
             </a:r>
             <a:endParaRPr lang="ko-KR" altLang="en-US" sz="1200"/>
           </a:p>
@@ -4565,11 +4558,7 @@
           <a:p>
             <a:r>
               <a:rPr lang="en-US" altLang="ko-KR" sz="1200" smtClean="0"/>
-              <a:t>app.use</a:t>
-            </a:r>
-            <a:r>
-              <a:rPr lang="en-US" altLang="ko-KR" sz="1200" smtClean="0"/>
-              <a:t>((req, res, next) =&gt; {</a:t>
+              <a:t>app.use((req, res, next) =&gt; {</a:t>
             </a:r>
           </a:p>
           <a:p>
@@ -4657,11 +4646,7 @@
           <a:p>
             <a:r>
               <a:rPr lang="en-US" altLang="ko-KR" sz="1200" smtClean="0"/>
-              <a:t>app.use</a:t>
-            </a:r>
-            <a:r>
-              <a:rPr lang="en-US" altLang="ko-KR" sz="1200" smtClean="0"/>
-              <a:t>((req, res, next) =&gt; {</a:t>
+              <a:t>app.use((req, res, next) =&gt; {</a:t>
             </a:r>
           </a:p>
           <a:p>
@@ -4873,6 +4858,1264 @@
     <p:extLst>
       <p:ext uri="{BB962C8B-B14F-4D97-AF65-F5344CB8AC3E}">
         <p14:creationId xmlns:p14="http://schemas.microsoft.com/office/powerpoint/2010/main" val="1849296449"/>
+      </p:ext>
+    </p:extLst>
+  </p:cSld>
+  <p:clrMapOvr>
+    <a:masterClrMapping/>
+  </p:clrMapOvr>
+</p:sld>
+</file>
+
+<file path=ppt/slides/slide3.xml><?xml version="1.0" encoding="utf-8"?>
+<p:sld xmlns:a="http://schemas.openxmlformats.org/drawingml/2006/main" xmlns:r="http://schemas.openxmlformats.org/officeDocument/2006/relationships" xmlns:p="http://schemas.openxmlformats.org/presentationml/2006/main">
+  <p:cSld>
+    <p:spTree>
+      <p:nvGrpSpPr>
+        <p:cNvPr id="1" name=""/>
+        <p:cNvGrpSpPr/>
+        <p:nvPr/>
+      </p:nvGrpSpPr>
+      <p:grpSpPr>
+        <a:xfrm>
+          <a:off x="0" y="0"/>
+          <a:ext cx="0" cy="0"/>
+          <a:chOff x="0" y="0"/>
+          <a:chExt cx="0" cy="0"/>
+        </a:xfrm>
+      </p:grpSpPr>
+      <p:grpSp>
+        <p:nvGrpSpPr>
+          <p:cNvPr id="10" name="그룹 9"/>
+          <p:cNvGrpSpPr/>
+          <p:nvPr/>
+        </p:nvGrpSpPr>
+        <p:grpSpPr>
+          <a:xfrm>
+            <a:off x="4896197" y="224443"/>
+            <a:ext cx="6841374" cy="6276109"/>
+            <a:chOff x="4896197" y="224443"/>
+            <a:chExt cx="6841374" cy="6276109"/>
+          </a:xfrm>
+        </p:grpSpPr>
+        <p:sp>
+          <p:nvSpPr>
+            <p:cNvPr id="4" name="직사각형 3"/>
+            <p:cNvSpPr/>
+            <p:nvPr/>
+          </p:nvSpPr>
+          <p:spPr>
+            <a:xfrm>
+              <a:off x="6467302" y="224443"/>
+              <a:ext cx="5270269" cy="6276109"/>
+            </a:xfrm>
+            <a:prstGeom prst="rect">
+              <a:avLst/>
+            </a:prstGeom>
+            <a:noFill/>
+          </p:spPr>
+          <p:style>
+            <a:lnRef idx="2">
+              <a:schemeClr val="accent1">
+                <a:shade val="50000"/>
+              </a:schemeClr>
+            </a:lnRef>
+            <a:fillRef idx="1">
+              <a:schemeClr val="accent1"/>
+            </a:fillRef>
+            <a:effectRef idx="0">
+              <a:schemeClr val="accent1"/>
+            </a:effectRef>
+            <a:fontRef idx="minor">
+              <a:schemeClr val="lt1"/>
+            </a:fontRef>
+          </p:style>
+          <p:txBody>
+            <a:bodyPr rtlCol="0" anchor="ctr"/>
+            <a:lstStyle/>
+            <a:p>
+              <a:pPr algn="ctr"/>
+              <a:endParaRPr lang="ko-KR" altLang="en-US"/>
+            </a:p>
+          </p:txBody>
+        </p:sp>
+        <p:sp>
+          <p:nvSpPr>
+            <p:cNvPr id="5" name="직사각형 4"/>
+            <p:cNvSpPr/>
+            <p:nvPr/>
+          </p:nvSpPr>
+          <p:spPr>
+            <a:xfrm>
+              <a:off x="4896197" y="847898"/>
+              <a:ext cx="1571105" cy="448887"/>
+            </a:xfrm>
+            <a:prstGeom prst="rect">
+              <a:avLst/>
+            </a:prstGeom>
+          </p:spPr>
+          <p:style>
+            <a:lnRef idx="2">
+              <a:schemeClr val="accent1">
+                <a:shade val="50000"/>
+              </a:schemeClr>
+            </a:lnRef>
+            <a:fillRef idx="1">
+              <a:schemeClr val="accent1"/>
+            </a:fillRef>
+            <a:effectRef idx="0">
+              <a:schemeClr val="accent1"/>
+            </a:effectRef>
+            <a:fontRef idx="minor">
+              <a:schemeClr val="lt1"/>
+            </a:fontRef>
+          </p:style>
+          <p:txBody>
+            <a:bodyPr rtlCol="0" anchor="ctr"/>
+            <a:lstStyle/>
+            <a:p>
+              <a:pPr algn="ctr"/>
+              <a:r>
+                <a:rPr lang="en-US" altLang="ko-KR" smtClean="0"/>
+                <a:t>port: 3000</a:t>
+              </a:r>
+              <a:endParaRPr lang="ko-KR" altLang="en-US"/>
+            </a:p>
+          </p:txBody>
+        </p:sp>
+      </p:grpSp>
+      <p:cxnSp>
+        <p:nvCxnSpPr>
+          <p:cNvPr id="7" name="직선 화살표 연결선 6"/>
+          <p:cNvCxnSpPr/>
+          <p:nvPr/>
+        </p:nvCxnSpPr>
+        <p:spPr>
+          <a:xfrm>
+            <a:off x="3366654" y="1080655"/>
+            <a:ext cx="1379913" cy="0"/>
+          </a:xfrm>
+          <a:prstGeom prst="straightConnector1">
+            <a:avLst/>
+          </a:prstGeom>
+          <a:ln>
+            <a:tailEnd type="triangle"/>
+          </a:ln>
+        </p:spPr>
+        <p:style>
+          <a:lnRef idx="1">
+            <a:schemeClr val="accent1"/>
+          </a:lnRef>
+          <a:fillRef idx="0">
+            <a:schemeClr val="accent1"/>
+          </a:fillRef>
+          <a:effectRef idx="0">
+            <a:schemeClr val="accent1"/>
+          </a:effectRef>
+          <a:fontRef idx="minor">
+            <a:schemeClr val="tx1"/>
+          </a:fontRef>
+        </p:style>
+      </p:cxnSp>
+      <p:sp>
+        <p:nvSpPr>
+          <p:cNvPr id="9" name="TextBox 8"/>
+          <p:cNvSpPr txBox="1"/>
+          <p:nvPr/>
+        </p:nvSpPr>
+        <p:spPr>
+          <a:xfrm>
+            <a:off x="1313411" y="847898"/>
+            <a:ext cx="1936865" cy="646331"/>
+          </a:xfrm>
+          <a:prstGeom prst="rect">
+            <a:avLst/>
+          </a:prstGeom>
+          <a:noFill/>
+        </p:spPr>
+        <p:txBody>
+          <a:bodyPr wrap="square" rtlCol="0">
+            <a:spAutoFit/>
+          </a:bodyPr>
+          <a:lstStyle/>
+          <a:p>
+            <a:pPr algn="ctr"/>
+            <a:r>
+              <a:rPr lang="ko-KR" altLang="en-US" smtClean="0"/>
+              <a:t>클라이언트 요청</a:t>
+            </a:r>
+            <a:endParaRPr lang="en-US" altLang="ko-KR" smtClean="0"/>
+          </a:p>
+          <a:p>
+            <a:pPr algn="ctr"/>
+            <a:r>
+              <a:rPr lang="en-US" altLang="ko-KR" smtClean="0"/>
+              <a:t>GET/POST</a:t>
+            </a:r>
+            <a:endParaRPr lang="ko-KR" altLang="en-US"/>
+          </a:p>
+        </p:txBody>
+      </p:sp>
+      <p:sp>
+        <p:nvSpPr>
+          <p:cNvPr id="11" name="직사각형 10"/>
+          <p:cNvSpPr/>
+          <p:nvPr/>
+        </p:nvSpPr>
+        <p:spPr>
+          <a:xfrm>
+            <a:off x="6787780" y="847898"/>
+            <a:ext cx="4725348" cy="5261957"/>
+          </a:xfrm>
+          <a:prstGeom prst="rect">
+            <a:avLst/>
+          </a:prstGeom>
+          <a:noFill/>
+          <a:ln>
+            <a:solidFill>
+              <a:srgbClr val="FF0000"/>
+            </a:solidFill>
+          </a:ln>
+        </p:spPr>
+        <p:style>
+          <a:lnRef idx="2">
+            <a:schemeClr val="accent1">
+              <a:shade val="50000"/>
+            </a:schemeClr>
+          </a:lnRef>
+          <a:fillRef idx="1">
+            <a:schemeClr val="accent1"/>
+          </a:fillRef>
+          <a:effectRef idx="0">
+            <a:schemeClr val="accent1"/>
+          </a:effectRef>
+          <a:fontRef idx="minor">
+            <a:schemeClr val="lt1"/>
+          </a:fontRef>
+        </p:style>
+        <p:txBody>
+          <a:bodyPr rtlCol="0" anchor="ctr"/>
+          <a:lstStyle/>
+          <a:p>
+            <a:pPr algn="ctr"/>
+            <a:endParaRPr lang="ko-KR" altLang="en-US"/>
+          </a:p>
+        </p:txBody>
+      </p:sp>
+      <p:cxnSp>
+        <p:nvCxnSpPr>
+          <p:cNvPr id="13" name="직선 화살표 연결선 12"/>
+          <p:cNvCxnSpPr/>
+          <p:nvPr/>
+        </p:nvCxnSpPr>
+        <p:spPr>
+          <a:xfrm>
+            <a:off x="6550429" y="1022465"/>
+            <a:ext cx="556953" cy="0"/>
+          </a:xfrm>
+          <a:prstGeom prst="straightConnector1">
+            <a:avLst/>
+          </a:prstGeom>
+          <a:ln>
+            <a:tailEnd type="triangle"/>
+          </a:ln>
+        </p:spPr>
+        <p:style>
+          <a:lnRef idx="1">
+            <a:schemeClr val="accent1"/>
+          </a:lnRef>
+          <a:fillRef idx="0">
+            <a:schemeClr val="accent1"/>
+          </a:fillRef>
+          <a:effectRef idx="0">
+            <a:schemeClr val="accent1"/>
+          </a:effectRef>
+          <a:fontRef idx="minor">
+            <a:schemeClr val="tx1"/>
+          </a:fontRef>
+        </p:style>
+      </p:cxnSp>
+      <p:sp>
+        <p:nvSpPr>
+          <p:cNvPr id="14" name="TextBox 13"/>
+          <p:cNvSpPr txBox="1"/>
+          <p:nvPr/>
+        </p:nvSpPr>
+        <p:spPr>
+          <a:xfrm>
+            <a:off x="6919466" y="3199456"/>
+            <a:ext cx="2588337" cy="208114"/>
+          </a:xfrm>
+          <a:prstGeom prst="rect">
+            <a:avLst/>
+          </a:prstGeom>
+          <a:noFill/>
+        </p:spPr>
+        <p:txBody>
+          <a:bodyPr wrap="none" rtlCol="0">
+            <a:spAutoFit/>
+          </a:bodyPr>
+          <a:lstStyle/>
+          <a:p>
+            <a:r>
+              <a:rPr lang="en-US" altLang="ko-KR" sz="1200" smtClean="0"/>
+              <a:t>app.use(‘/’, express.static(‘./public))</a:t>
+            </a:r>
+            <a:endParaRPr lang="ko-KR" altLang="en-US" sz="1200"/>
+          </a:p>
+        </p:txBody>
+      </p:sp>
+      <p:sp>
+        <p:nvSpPr>
+          <p:cNvPr id="15" name="TextBox 14"/>
+          <p:cNvSpPr txBox="1"/>
+          <p:nvPr/>
+        </p:nvSpPr>
+        <p:spPr>
+          <a:xfrm>
+            <a:off x="6919466" y="3832655"/>
+            <a:ext cx="4568687" cy="738664"/>
+          </a:xfrm>
+          <a:prstGeom prst="rect">
+            <a:avLst/>
+          </a:prstGeom>
+          <a:noFill/>
+        </p:spPr>
+        <p:txBody>
+          <a:bodyPr wrap="none" rtlCol="0">
+            <a:spAutoFit/>
+          </a:bodyPr>
+          <a:lstStyle/>
+          <a:p>
+            <a:r>
+              <a:rPr lang="en-US" altLang="ko-KR" sz="1400" smtClean="0"/>
+              <a:t>app.use(‘/test’, </a:t>
+            </a:r>
+            <a:r>
+              <a:rPr lang="en-US" altLang="ko-KR" sz="1400" smtClean="0"/>
+              <a:t>mw2, mw3(‘mw3’), </a:t>
+            </a:r>
+            <a:r>
+              <a:rPr lang="en-US" altLang="ko-KR" sz="1400" smtClean="0"/>
+              <a:t>(req</a:t>
+            </a:r>
+            <a:r>
+              <a:rPr lang="en-US" altLang="ko-KR" sz="1400" smtClean="0"/>
+              <a:t>, res, next) =&gt; </a:t>
+            </a:r>
+            <a:r>
+              <a:rPr lang="en-US" altLang="ko-KR" sz="1400" smtClean="0"/>
+              <a:t>{</a:t>
+            </a:r>
+          </a:p>
+          <a:p>
+            <a:r>
+              <a:rPr lang="en-US" altLang="ko-KR" sz="1400"/>
+              <a:t> </a:t>
+            </a:r>
+            <a:r>
+              <a:rPr lang="en-US" altLang="ko-KR" sz="1400" smtClean="0"/>
+              <a:t> res.send(‘Hello’);</a:t>
+            </a:r>
+            <a:endParaRPr lang="en-US" altLang="ko-KR" sz="1400"/>
+          </a:p>
+          <a:p>
+            <a:r>
+              <a:rPr lang="en-US" altLang="ko-KR" sz="1400" smtClean="0"/>
+              <a:t>});</a:t>
+            </a:r>
+            <a:endParaRPr lang="ko-KR" altLang="en-US" sz="1400"/>
+          </a:p>
+        </p:txBody>
+      </p:sp>
+      <p:sp>
+        <p:nvSpPr>
+          <p:cNvPr id="16" name="TextBox 15"/>
+          <p:cNvSpPr txBox="1"/>
+          <p:nvPr/>
+        </p:nvSpPr>
+        <p:spPr>
+          <a:xfrm>
+            <a:off x="6989766" y="5122802"/>
+            <a:ext cx="2870338" cy="208114"/>
+          </a:xfrm>
+          <a:prstGeom prst="rect">
+            <a:avLst/>
+          </a:prstGeom>
+          <a:noFill/>
+        </p:spPr>
+        <p:txBody>
+          <a:bodyPr wrap="none" rtlCol="0">
+            <a:spAutoFit/>
+          </a:bodyPr>
+          <a:lstStyle/>
+          <a:p>
+            <a:r>
+              <a:rPr lang="en-US" altLang="ko-KR" sz="1200" smtClean="0"/>
+              <a:t>app.get(‘/board’, (req, res, next) =&gt; {});</a:t>
+            </a:r>
+            <a:endParaRPr lang="ko-KR" altLang="en-US" sz="1200"/>
+          </a:p>
+        </p:txBody>
+      </p:sp>
+      <p:cxnSp>
+        <p:nvCxnSpPr>
+          <p:cNvPr id="19" name="직선 화살표 연결선 18"/>
+          <p:cNvCxnSpPr/>
+          <p:nvPr/>
+        </p:nvCxnSpPr>
+        <p:spPr>
+          <a:xfrm>
+            <a:off x="7631082" y="1022465"/>
+            <a:ext cx="2" cy="297327"/>
+          </a:xfrm>
+          <a:prstGeom prst="straightConnector1">
+            <a:avLst/>
+          </a:prstGeom>
+          <a:ln>
+            <a:tailEnd type="triangle"/>
+          </a:ln>
+        </p:spPr>
+        <p:style>
+          <a:lnRef idx="1">
+            <a:schemeClr val="accent1"/>
+          </a:lnRef>
+          <a:fillRef idx="0">
+            <a:schemeClr val="accent1"/>
+          </a:fillRef>
+          <a:effectRef idx="0">
+            <a:schemeClr val="accent1"/>
+          </a:effectRef>
+          <a:fontRef idx="minor">
+            <a:schemeClr val="tx1"/>
+          </a:fontRef>
+        </p:style>
+      </p:cxnSp>
+      <p:cxnSp>
+        <p:nvCxnSpPr>
+          <p:cNvPr id="21" name="직선 화살표 연결선 20"/>
+          <p:cNvCxnSpPr/>
+          <p:nvPr/>
+        </p:nvCxnSpPr>
+        <p:spPr>
+          <a:xfrm>
+            <a:off x="7595214" y="3552488"/>
+            <a:ext cx="2" cy="228507"/>
+          </a:xfrm>
+          <a:prstGeom prst="straightConnector1">
+            <a:avLst/>
+          </a:prstGeom>
+          <a:ln>
+            <a:tailEnd type="triangle"/>
+          </a:ln>
+        </p:spPr>
+        <p:style>
+          <a:lnRef idx="1">
+            <a:schemeClr val="accent1"/>
+          </a:lnRef>
+          <a:fillRef idx="0">
+            <a:schemeClr val="accent1"/>
+          </a:fillRef>
+          <a:effectRef idx="0">
+            <a:schemeClr val="accent1"/>
+          </a:effectRef>
+          <a:fontRef idx="minor">
+            <a:schemeClr val="tx1"/>
+          </a:fontRef>
+        </p:style>
+      </p:cxnSp>
+      <p:cxnSp>
+        <p:nvCxnSpPr>
+          <p:cNvPr id="25" name="직선 화살표 연결선 24"/>
+          <p:cNvCxnSpPr/>
+          <p:nvPr/>
+        </p:nvCxnSpPr>
+        <p:spPr>
+          <a:xfrm>
+            <a:off x="7631083" y="4799961"/>
+            <a:ext cx="1" cy="258423"/>
+          </a:xfrm>
+          <a:prstGeom prst="straightConnector1">
+            <a:avLst/>
+          </a:prstGeom>
+          <a:ln>
+            <a:tailEnd type="triangle"/>
+          </a:ln>
+        </p:spPr>
+        <p:style>
+          <a:lnRef idx="1">
+            <a:schemeClr val="accent1"/>
+          </a:lnRef>
+          <a:fillRef idx="0">
+            <a:schemeClr val="accent1"/>
+          </a:fillRef>
+          <a:effectRef idx="0">
+            <a:schemeClr val="accent1"/>
+          </a:effectRef>
+          <a:fontRef idx="minor">
+            <a:schemeClr val="tx1"/>
+          </a:fontRef>
+        </p:style>
+      </p:cxnSp>
+      <p:cxnSp>
+        <p:nvCxnSpPr>
+          <p:cNvPr id="27" name="직선 화살표 연결선 26"/>
+          <p:cNvCxnSpPr/>
+          <p:nvPr/>
+        </p:nvCxnSpPr>
+        <p:spPr>
+          <a:xfrm>
+            <a:off x="7631084" y="5476784"/>
+            <a:ext cx="0" cy="262317"/>
+          </a:xfrm>
+          <a:prstGeom prst="straightConnector1">
+            <a:avLst/>
+          </a:prstGeom>
+          <a:ln>
+            <a:tailEnd type="triangle"/>
+          </a:ln>
+        </p:spPr>
+        <p:style>
+          <a:lnRef idx="1">
+            <a:schemeClr val="accent1"/>
+          </a:lnRef>
+          <a:fillRef idx="0">
+            <a:schemeClr val="accent1"/>
+          </a:fillRef>
+          <a:effectRef idx="0">
+            <a:schemeClr val="accent1"/>
+          </a:effectRef>
+          <a:fontRef idx="minor">
+            <a:schemeClr val="tx1"/>
+          </a:fontRef>
+        </p:style>
+      </p:cxnSp>
+      <p:sp>
+        <p:nvSpPr>
+          <p:cNvPr id="28" name="TextBox 27"/>
+          <p:cNvSpPr txBox="1"/>
+          <p:nvPr/>
+        </p:nvSpPr>
+        <p:spPr>
+          <a:xfrm>
+            <a:off x="7287111" y="5739101"/>
+            <a:ext cx="687945" cy="277485"/>
+          </a:xfrm>
+          <a:prstGeom prst="rect">
+            <a:avLst/>
+          </a:prstGeom>
+          <a:noFill/>
+        </p:spPr>
+        <p:txBody>
+          <a:bodyPr wrap="none" rtlCol="0">
+            <a:spAutoFit/>
+          </a:bodyPr>
+          <a:lstStyle/>
+          <a:p>
+            <a:r>
+              <a:rPr lang="en-US" altLang="ko-KR" smtClean="0"/>
+              <a:t>error</a:t>
+            </a:r>
+            <a:endParaRPr lang="ko-KR" altLang="en-US"/>
+          </a:p>
+        </p:txBody>
+      </p:sp>
+      <p:cxnSp>
+        <p:nvCxnSpPr>
+          <p:cNvPr id="30" name="직선 화살표 연결선 29"/>
+          <p:cNvCxnSpPr/>
+          <p:nvPr/>
+        </p:nvCxnSpPr>
+        <p:spPr>
+          <a:xfrm flipH="1">
+            <a:off x="2759825" y="5320684"/>
+            <a:ext cx="3973484" cy="0"/>
+          </a:xfrm>
+          <a:prstGeom prst="straightConnector1">
+            <a:avLst/>
+          </a:prstGeom>
+          <a:ln>
+            <a:tailEnd type="triangle"/>
+          </a:ln>
+        </p:spPr>
+        <p:style>
+          <a:lnRef idx="1">
+            <a:schemeClr val="accent1"/>
+          </a:lnRef>
+          <a:fillRef idx="0">
+            <a:schemeClr val="accent1"/>
+          </a:fillRef>
+          <a:effectRef idx="0">
+            <a:schemeClr val="accent1"/>
+          </a:effectRef>
+          <a:fontRef idx="minor">
+            <a:schemeClr val="tx1"/>
+          </a:fontRef>
+        </p:style>
+      </p:cxnSp>
+      <p:cxnSp>
+        <p:nvCxnSpPr>
+          <p:cNvPr id="31" name="직선 화살표 연결선 30"/>
+          <p:cNvCxnSpPr/>
+          <p:nvPr/>
+        </p:nvCxnSpPr>
+        <p:spPr>
+          <a:xfrm flipH="1">
+            <a:off x="2759825" y="3406521"/>
+            <a:ext cx="3973484" cy="0"/>
+          </a:xfrm>
+          <a:prstGeom prst="straightConnector1">
+            <a:avLst/>
+          </a:prstGeom>
+          <a:ln>
+            <a:tailEnd type="triangle"/>
+          </a:ln>
+        </p:spPr>
+        <p:style>
+          <a:lnRef idx="1">
+            <a:schemeClr val="accent1"/>
+          </a:lnRef>
+          <a:fillRef idx="0">
+            <a:schemeClr val="accent1"/>
+          </a:fillRef>
+          <a:effectRef idx="0">
+            <a:schemeClr val="accent1"/>
+          </a:effectRef>
+          <a:fontRef idx="minor">
+            <a:schemeClr val="tx1"/>
+          </a:fontRef>
+        </p:style>
+      </p:cxnSp>
+      <p:cxnSp>
+        <p:nvCxnSpPr>
+          <p:cNvPr id="32" name="직선 화살표 연결선 31"/>
+          <p:cNvCxnSpPr/>
+          <p:nvPr/>
+        </p:nvCxnSpPr>
+        <p:spPr>
+          <a:xfrm flipH="1">
+            <a:off x="2825118" y="4065059"/>
+            <a:ext cx="3973484" cy="0"/>
+          </a:xfrm>
+          <a:prstGeom prst="straightConnector1">
+            <a:avLst/>
+          </a:prstGeom>
+          <a:ln>
+            <a:tailEnd type="triangle"/>
+          </a:ln>
+        </p:spPr>
+        <p:style>
+          <a:lnRef idx="1">
+            <a:schemeClr val="accent1"/>
+          </a:lnRef>
+          <a:fillRef idx="0">
+            <a:schemeClr val="accent1"/>
+          </a:fillRef>
+          <a:effectRef idx="0">
+            <a:schemeClr val="accent1"/>
+          </a:effectRef>
+          <a:fontRef idx="minor">
+            <a:schemeClr val="tx1"/>
+          </a:fontRef>
+        </p:style>
+      </p:cxnSp>
+      <p:cxnSp>
+        <p:nvCxnSpPr>
+          <p:cNvPr id="34" name="직선 화살표 연결선 33"/>
+          <p:cNvCxnSpPr/>
+          <p:nvPr/>
+        </p:nvCxnSpPr>
+        <p:spPr>
+          <a:xfrm flipH="1">
+            <a:off x="2867891" y="5927148"/>
+            <a:ext cx="3973484" cy="0"/>
+          </a:xfrm>
+          <a:prstGeom prst="straightConnector1">
+            <a:avLst/>
+          </a:prstGeom>
+          <a:ln>
+            <a:tailEnd type="triangle"/>
+          </a:ln>
+        </p:spPr>
+        <p:style>
+          <a:lnRef idx="1">
+            <a:schemeClr val="accent1"/>
+          </a:lnRef>
+          <a:fillRef idx="0">
+            <a:schemeClr val="accent1"/>
+          </a:fillRef>
+          <a:effectRef idx="0">
+            <a:schemeClr val="accent1"/>
+          </a:effectRef>
+          <a:fontRef idx="minor">
+            <a:schemeClr val="tx1"/>
+          </a:fontRef>
+        </p:style>
+      </p:cxnSp>
+      <p:sp>
+        <p:nvSpPr>
+          <p:cNvPr id="35" name="TextBox 34"/>
+          <p:cNvSpPr txBox="1"/>
+          <p:nvPr/>
+        </p:nvSpPr>
+        <p:spPr>
+          <a:xfrm>
+            <a:off x="315884" y="224443"/>
+            <a:ext cx="3985322" cy="369332"/>
+          </a:xfrm>
+          <a:prstGeom prst="rect">
+            <a:avLst/>
+          </a:prstGeom>
+          <a:noFill/>
+        </p:spPr>
+        <p:txBody>
+          <a:bodyPr wrap="none" rtlCol="0">
+            <a:spAutoFit/>
+          </a:bodyPr>
+          <a:lstStyle/>
+          <a:p>
+            <a:r>
+              <a:rPr lang="en-US" altLang="ko-KR" smtClean="0"/>
+              <a:t>3. </a:t>
+            </a:r>
+            <a:r>
+              <a:rPr lang="ko-KR" altLang="en-US" smtClean="0"/>
+              <a:t>라우터에서 사용되는 </a:t>
+            </a:r>
+            <a:r>
+              <a:rPr lang="en-US" altLang="ko-KR" smtClean="0"/>
+              <a:t>Middleware </a:t>
+            </a:r>
+            <a:endParaRPr lang="ko-KR" altLang="en-US"/>
+          </a:p>
+        </p:txBody>
+      </p:sp>
+      <p:sp>
+        <p:nvSpPr>
+          <p:cNvPr id="36" name="TextBox 35"/>
+          <p:cNvSpPr txBox="1"/>
+          <p:nvPr/>
+        </p:nvSpPr>
+        <p:spPr>
+          <a:xfrm>
+            <a:off x="6919465" y="1411202"/>
+            <a:ext cx="2134367" cy="646331"/>
+          </a:xfrm>
+          <a:prstGeom prst="rect">
+            <a:avLst/>
+          </a:prstGeom>
+          <a:noFill/>
+        </p:spPr>
+        <p:txBody>
+          <a:bodyPr wrap="none" rtlCol="0">
+            <a:spAutoFit/>
+          </a:bodyPr>
+          <a:lstStyle/>
+          <a:p>
+            <a:r>
+              <a:rPr lang="en-US" altLang="ko-KR" sz="1200" smtClean="0"/>
+              <a:t>app.use((req, res, next) =&gt; {</a:t>
+            </a:r>
+          </a:p>
+          <a:p>
+            <a:r>
+              <a:rPr lang="en-US" altLang="ko-KR" sz="1200" smtClean="0"/>
+              <a:t>  req</a:t>
+            </a:r>
+            <a:r>
+              <a:rPr lang="ko-KR" altLang="en-US" sz="1200" smtClean="0"/>
+              <a:t>와 </a:t>
+            </a:r>
+            <a:r>
+              <a:rPr lang="en-US" altLang="ko-KR" sz="1200" smtClean="0"/>
+              <a:t>res</a:t>
+            </a:r>
+            <a:r>
+              <a:rPr lang="ko-KR" altLang="en-US" sz="1200" smtClean="0"/>
+              <a:t>를 변경</a:t>
+            </a:r>
+            <a:endParaRPr lang="en-US" altLang="ko-KR" sz="1200" smtClean="0"/>
+          </a:p>
+          <a:p>
+            <a:r>
+              <a:rPr lang="en-US" altLang="ko-KR" sz="1200" smtClean="0"/>
+              <a:t>})</a:t>
+            </a:r>
+            <a:endParaRPr lang="ko-KR" altLang="en-US" sz="1200"/>
+          </a:p>
+        </p:txBody>
+      </p:sp>
+      <p:cxnSp>
+        <p:nvCxnSpPr>
+          <p:cNvPr id="37" name="직선 화살표 연결선 36"/>
+          <p:cNvCxnSpPr/>
+          <p:nvPr/>
+        </p:nvCxnSpPr>
+        <p:spPr>
+          <a:xfrm>
+            <a:off x="7595214" y="2838250"/>
+            <a:ext cx="2" cy="297327"/>
+          </a:xfrm>
+          <a:prstGeom prst="straightConnector1">
+            <a:avLst/>
+          </a:prstGeom>
+          <a:ln>
+            <a:tailEnd type="triangle"/>
+          </a:ln>
+        </p:spPr>
+        <p:style>
+          <a:lnRef idx="1">
+            <a:schemeClr val="accent1"/>
+          </a:lnRef>
+          <a:fillRef idx="0">
+            <a:schemeClr val="accent1"/>
+          </a:fillRef>
+          <a:effectRef idx="0">
+            <a:schemeClr val="accent1"/>
+          </a:effectRef>
+          <a:fontRef idx="minor">
+            <a:schemeClr val="tx1"/>
+          </a:fontRef>
+        </p:style>
+      </p:cxnSp>
+      <p:sp>
+        <p:nvSpPr>
+          <p:cNvPr id="38" name="TextBox 37"/>
+          <p:cNvSpPr txBox="1"/>
+          <p:nvPr/>
+        </p:nvSpPr>
+        <p:spPr>
+          <a:xfrm>
+            <a:off x="6890042" y="2212715"/>
+            <a:ext cx="2134367" cy="646331"/>
+          </a:xfrm>
+          <a:prstGeom prst="rect">
+            <a:avLst/>
+          </a:prstGeom>
+          <a:noFill/>
+        </p:spPr>
+        <p:txBody>
+          <a:bodyPr wrap="none" rtlCol="0">
+            <a:spAutoFit/>
+          </a:bodyPr>
+          <a:lstStyle/>
+          <a:p>
+            <a:r>
+              <a:rPr lang="en-US" altLang="ko-KR" sz="1200" smtClean="0"/>
+              <a:t>app.use((req, res, next) =&gt; {</a:t>
+            </a:r>
+          </a:p>
+          <a:p>
+            <a:r>
+              <a:rPr lang="en-US" altLang="ko-KR" sz="1200" smtClean="0"/>
+              <a:t>  req</a:t>
+            </a:r>
+            <a:r>
+              <a:rPr lang="ko-KR" altLang="en-US" sz="1200" smtClean="0"/>
+              <a:t>와 </a:t>
+            </a:r>
+            <a:r>
+              <a:rPr lang="en-US" altLang="ko-KR" sz="1200" smtClean="0"/>
+              <a:t>res</a:t>
+            </a:r>
+            <a:r>
+              <a:rPr lang="ko-KR" altLang="en-US" sz="1200" smtClean="0"/>
+              <a:t>를 변경</a:t>
+            </a:r>
+            <a:endParaRPr lang="en-US" altLang="ko-KR" sz="1200" smtClean="0"/>
+          </a:p>
+          <a:p>
+            <a:r>
+              <a:rPr lang="en-US" altLang="ko-KR" sz="1200" smtClean="0"/>
+              <a:t>})</a:t>
+            </a:r>
+            <a:endParaRPr lang="ko-KR" altLang="en-US" sz="1200"/>
+          </a:p>
+        </p:txBody>
+      </p:sp>
+      <p:cxnSp>
+        <p:nvCxnSpPr>
+          <p:cNvPr id="39" name="직선 화살표 연결선 38"/>
+          <p:cNvCxnSpPr/>
+          <p:nvPr/>
+        </p:nvCxnSpPr>
+        <p:spPr>
+          <a:xfrm>
+            <a:off x="7595212" y="1898471"/>
+            <a:ext cx="2" cy="297327"/>
+          </a:xfrm>
+          <a:prstGeom prst="straightConnector1">
+            <a:avLst/>
+          </a:prstGeom>
+          <a:ln>
+            <a:tailEnd type="triangle"/>
+          </a:ln>
+        </p:spPr>
+        <p:style>
+          <a:lnRef idx="1">
+            <a:schemeClr val="accent1"/>
+          </a:lnRef>
+          <a:fillRef idx="0">
+            <a:schemeClr val="accent1"/>
+          </a:fillRef>
+          <a:effectRef idx="0">
+            <a:schemeClr val="accent1"/>
+          </a:effectRef>
+          <a:fontRef idx="minor">
+            <a:schemeClr val="tx1"/>
+          </a:fontRef>
+        </p:style>
+      </p:cxnSp>
+      <p:sp>
+        <p:nvSpPr>
+          <p:cNvPr id="18" name="직사각형 17"/>
+          <p:cNvSpPr/>
+          <p:nvPr/>
+        </p:nvSpPr>
+        <p:spPr>
+          <a:xfrm>
+            <a:off x="6824749" y="1319792"/>
+            <a:ext cx="3408125" cy="1667121"/>
+          </a:xfrm>
+          <a:prstGeom prst="rect">
+            <a:avLst/>
+          </a:prstGeom>
+          <a:noFill/>
+          <a:ln>
+            <a:solidFill>
+              <a:srgbClr val="FFC000"/>
+            </a:solidFill>
+          </a:ln>
+        </p:spPr>
+        <p:style>
+          <a:lnRef idx="2">
+            <a:schemeClr val="accent1">
+              <a:shade val="50000"/>
+            </a:schemeClr>
+          </a:lnRef>
+          <a:fillRef idx="1">
+            <a:schemeClr val="accent1"/>
+          </a:fillRef>
+          <a:effectRef idx="0">
+            <a:schemeClr val="accent1"/>
+          </a:effectRef>
+          <a:fontRef idx="minor">
+            <a:schemeClr val="lt1"/>
+          </a:fontRef>
+        </p:style>
+        <p:txBody>
+          <a:bodyPr rtlCol="0" anchor="ctr"/>
+          <a:lstStyle/>
+          <a:p>
+            <a:pPr algn="ctr"/>
+            <a:endParaRPr lang="ko-KR" altLang="en-US"/>
+          </a:p>
+        </p:txBody>
+      </p:sp>
+      <p:sp>
+        <p:nvSpPr>
+          <p:cNvPr id="20" name="TextBox 19"/>
+          <p:cNvSpPr txBox="1"/>
+          <p:nvPr/>
+        </p:nvSpPr>
+        <p:spPr>
+          <a:xfrm>
+            <a:off x="9314194" y="946208"/>
+            <a:ext cx="1946302" cy="369332"/>
+          </a:xfrm>
+          <a:prstGeom prst="rect">
+            <a:avLst/>
+          </a:prstGeom>
+          <a:noFill/>
+        </p:spPr>
+        <p:txBody>
+          <a:bodyPr wrap="none" rtlCol="0">
+            <a:spAutoFit/>
+          </a:bodyPr>
+          <a:lstStyle/>
+          <a:p>
+            <a:r>
+              <a:rPr lang="ko-KR" altLang="en-US" smtClean="0"/>
+              <a:t>전역 </a:t>
+            </a:r>
+            <a:r>
+              <a:rPr lang="en-US" altLang="ko-KR" smtClean="0"/>
+              <a:t>Middleware</a:t>
+            </a:r>
+            <a:endParaRPr lang="ko-KR" altLang="en-US"/>
+          </a:p>
+        </p:txBody>
+      </p:sp>
+      <p:sp>
+        <p:nvSpPr>
+          <p:cNvPr id="22" name="TextBox 21"/>
+          <p:cNvSpPr txBox="1"/>
+          <p:nvPr/>
+        </p:nvSpPr>
+        <p:spPr>
+          <a:xfrm>
+            <a:off x="723632" y="3945354"/>
+            <a:ext cx="1980622" cy="369332"/>
+          </a:xfrm>
+          <a:prstGeom prst="rect">
+            <a:avLst/>
+          </a:prstGeom>
+          <a:noFill/>
+        </p:spPr>
+        <p:txBody>
+          <a:bodyPr wrap="square" rtlCol="0">
+            <a:spAutoFit/>
+          </a:bodyPr>
+          <a:lstStyle/>
+          <a:p>
+            <a:r>
+              <a:rPr lang="en-US" altLang="ko-KR" smtClean="0"/>
+              <a:t>1</a:t>
+            </a:r>
+            <a:r>
+              <a:rPr lang="ko-KR" altLang="en-US" smtClean="0"/>
+              <a:t>개만 </a:t>
+            </a:r>
+            <a:r>
+              <a:rPr lang="en-US" altLang="ko-KR" smtClean="0"/>
+              <a:t>response</a:t>
+            </a:r>
+            <a:endParaRPr lang="ko-KR" altLang="en-US"/>
+          </a:p>
+        </p:txBody>
+      </p:sp>
+      <p:sp>
+        <p:nvSpPr>
+          <p:cNvPr id="40" name="TextBox 39"/>
+          <p:cNvSpPr txBox="1"/>
+          <p:nvPr/>
+        </p:nvSpPr>
+        <p:spPr>
+          <a:xfrm>
+            <a:off x="3537497" y="1112119"/>
+            <a:ext cx="1038223" cy="369332"/>
+          </a:xfrm>
+          <a:prstGeom prst="rect">
+            <a:avLst/>
+          </a:prstGeom>
+          <a:noFill/>
+        </p:spPr>
+        <p:txBody>
+          <a:bodyPr wrap="square" rtlCol="0">
+            <a:spAutoFit/>
+          </a:bodyPr>
+          <a:lstStyle/>
+          <a:p>
+            <a:r>
+              <a:rPr lang="en-US" altLang="ko-KR" smtClean="0"/>
+              <a:t>request</a:t>
+            </a:r>
+            <a:endParaRPr lang="ko-KR" altLang="en-US"/>
+          </a:p>
+        </p:txBody>
+      </p:sp>
+      <p:sp>
+        <p:nvSpPr>
+          <p:cNvPr id="2" name="타원 1"/>
+          <p:cNvSpPr/>
+          <p:nvPr/>
+        </p:nvSpPr>
+        <p:spPr>
+          <a:xfrm>
+            <a:off x="8213634" y="3832655"/>
+            <a:ext cx="476550" cy="369332"/>
+          </a:xfrm>
+          <a:prstGeom prst="ellipse">
+            <a:avLst/>
+          </a:prstGeom>
+          <a:noFill/>
+          <a:ln>
+            <a:solidFill>
+              <a:srgbClr val="FF0000"/>
+            </a:solidFill>
+          </a:ln>
+        </p:spPr>
+        <p:style>
+          <a:lnRef idx="2">
+            <a:schemeClr val="accent1">
+              <a:shade val="50000"/>
+            </a:schemeClr>
+          </a:lnRef>
+          <a:fillRef idx="1">
+            <a:schemeClr val="accent1"/>
+          </a:fillRef>
+          <a:effectRef idx="0">
+            <a:schemeClr val="accent1"/>
+          </a:effectRef>
+          <a:fontRef idx="minor">
+            <a:schemeClr val="lt1"/>
+          </a:fontRef>
+        </p:style>
+        <p:txBody>
+          <a:bodyPr rtlCol="0" anchor="ctr"/>
+          <a:lstStyle/>
+          <a:p>
+            <a:pPr algn="ctr"/>
+            <a:endParaRPr lang="ko-KR" altLang="en-US"/>
+          </a:p>
+        </p:txBody>
+      </p:sp>
+      <p:sp>
+        <p:nvSpPr>
+          <p:cNvPr id="41" name="타원 40"/>
+          <p:cNvSpPr/>
+          <p:nvPr/>
+        </p:nvSpPr>
+        <p:spPr>
+          <a:xfrm>
+            <a:off x="8690183" y="3826317"/>
+            <a:ext cx="1019081" cy="375669"/>
+          </a:xfrm>
+          <a:prstGeom prst="ellipse">
+            <a:avLst/>
+          </a:prstGeom>
+          <a:noFill/>
+          <a:ln>
+            <a:solidFill>
+              <a:srgbClr val="FF0000"/>
+            </a:solidFill>
+          </a:ln>
+        </p:spPr>
+        <p:style>
+          <a:lnRef idx="2">
+            <a:schemeClr val="accent1">
+              <a:shade val="50000"/>
+            </a:schemeClr>
+          </a:lnRef>
+          <a:fillRef idx="1">
+            <a:schemeClr val="accent1"/>
+          </a:fillRef>
+          <a:effectRef idx="0">
+            <a:schemeClr val="accent1"/>
+          </a:effectRef>
+          <a:fontRef idx="minor">
+            <a:schemeClr val="lt1"/>
+          </a:fontRef>
+        </p:style>
+        <p:txBody>
+          <a:bodyPr rtlCol="0" anchor="ctr"/>
+          <a:lstStyle/>
+          <a:p>
+            <a:pPr algn="ctr"/>
+            <a:endParaRPr lang="ko-KR" altLang="en-US"/>
+          </a:p>
+        </p:txBody>
+      </p:sp>
+      <p:cxnSp>
+        <p:nvCxnSpPr>
+          <p:cNvPr id="6" name="직선 화살표 연결선 5"/>
+          <p:cNvCxnSpPr/>
+          <p:nvPr/>
+        </p:nvCxnSpPr>
+        <p:spPr>
+          <a:xfrm>
+            <a:off x="8570422" y="3780995"/>
+            <a:ext cx="355483" cy="0"/>
+          </a:xfrm>
+          <a:prstGeom prst="straightConnector1">
+            <a:avLst/>
+          </a:prstGeom>
+          <a:ln>
+            <a:solidFill>
+              <a:srgbClr val="FF0000"/>
+            </a:solidFill>
+            <a:tailEnd type="triangle"/>
+          </a:ln>
+        </p:spPr>
+        <p:style>
+          <a:lnRef idx="1">
+            <a:schemeClr val="accent1"/>
+          </a:lnRef>
+          <a:fillRef idx="0">
+            <a:schemeClr val="accent1"/>
+          </a:fillRef>
+          <a:effectRef idx="0">
+            <a:schemeClr val="accent1"/>
+          </a:effectRef>
+          <a:fontRef idx="minor">
+            <a:schemeClr val="tx1"/>
+          </a:fontRef>
+        </p:style>
+      </p:cxnSp>
+      <p:cxnSp>
+        <p:nvCxnSpPr>
+          <p:cNvPr id="42" name="직선 화살표 연결선 41"/>
+          <p:cNvCxnSpPr/>
+          <p:nvPr/>
+        </p:nvCxnSpPr>
+        <p:spPr>
+          <a:xfrm>
+            <a:off x="9709264" y="3780995"/>
+            <a:ext cx="355483" cy="0"/>
+          </a:xfrm>
+          <a:prstGeom prst="straightConnector1">
+            <a:avLst/>
+          </a:prstGeom>
+          <a:ln>
+            <a:solidFill>
+              <a:srgbClr val="FF0000"/>
+            </a:solidFill>
+            <a:tailEnd type="triangle"/>
+          </a:ln>
+        </p:spPr>
+        <p:style>
+          <a:lnRef idx="1">
+            <a:schemeClr val="accent1"/>
+          </a:lnRef>
+          <a:fillRef idx="0">
+            <a:schemeClr val="accent1"/>
+          </a:fillRef>
+          <a:effectRef idx="0">
+            <a:schemeClr val="accent1"/>
+          </a:effectRef>
+          <a:fontRef idx="minor">
+            <a:schemeClr val="tx1"/>
+          </a:fontRef>
+        </p:style>
+      </p:cxnSp>
+      <p:sp>
+        <p:nvSpPr>
+          <p:cNvPr id="43" name="TextBox 42"/>
+          <p:cNvSpPr txBox="1"/>
+          <p:nvPr/>
+        </p:nvSpPr>
+        <p:spPr>
+          <a:xfrm>
+            <a:off x="9447716" y="3390298"/>
+            <a:ext cx="1946302" cy="369332"/>
+          </a:xfrm>
+          <a:prstGeom prst="rect">
+            <a:avLst/>
+          </a:prstGeom>
+          <a:noFill/>
+        </p:spPr>
+        <p:txBody>
+          <a:bodyPr wrap="none" rtlCol="0">
+            <a:spAutoFit/>
+          </a:bodyPr>
+          <a:lstStyle/>
+          <a:p>
+            <a:r>
+              <a:rPr lang="ko-KR" altLang="en-US" smtClean="0"/>
+              <a:t>지역 </a:t>
+            </a:r>
+            <a:r>
+              <a:rPr lang="en-US" altLang="ko-KR" smtClean="0"/>
+              <a:t>Middleware</a:t>
+            </a:r>
+            <a:endParaRPr lang="ko-KR" altLang="en-US"/>
+          </a:p>
+        </p:txBody>
+      </p:sp>
+    </p:spTree>
+    <p:extLst>
+      <p:ext uri="{BB962C8B-B14F-4D97-AF65-F5344CB8AC3E}">
+        <p14:creationId xmlns:p14="http://schemas.microsoft.com/office/powerpoint/2010/main" val="2342669095"/>
       </p:ext>
     </p:extLst>
   </p:cSld>
